--- a/labs/lab6/Lab6.pptx
+++ b/labs/lab6/Lab6.pptx
@@ -17429,10 +17429,10 @@
               <a:buNone/>
             </a:pPr>
             <a:r>
-              <a:rPr lang="en-US" sz="2200"/>
+              <a:rPr lang="en-US" sz="2200" dirty="0"/>
               <a:t>3. Connect to a Database</a:t>
             </a:r>
-            <a:endParaRPr sz="2200"/>
+            <a:endParaRPr sz="2200" dirty="0"/>
           </a:p>
           <a:p>
             <a:pPr marL="228593" marR="0" lvl="0" indent="-50793" algn="l" rtl="0">
@@ -17453,10 +17453,34 @@
               <a:buNone/>
             </a:pPr>
             <a:r>
-              <a:rPr lang="en-US" sz="2200"/>
-              <a:t>Connection db = DriverManager.getConnection(url,</a:t>
+              <a:rPr lang="en-US" sz="2200" dirty="0"/>
+              <a:t>Connection </a:t>
             </a:r>
-            <a:endParaRPr sz="2200"/>
+            <a:r>
+              <a:rPr lang="en-US" sz="2200" dirty="0" err="1"/>
+              <a:t>db</a:t>
+            </a:r>
+            <a:r>
+              <a:rPr lang="en-US" sz="2200" dirty="0"/>
+              <a:t> = </a:t>
+            </a:r>
+            <a:r>
+              <a:rPr lang="en-US" sz="2200" dirty="0" err="1"/>
+              <a:t>DriverManager.getConnection</a:t>
+            </a:r>
+            <a:r>
+              <a:rPr lang="en-US" sz="2200" dirty="0"/>
+              <a:t>(</a:t>
+            </a:r>
+            <a:r>
+              <a:rPr lang="en-US" sz="2200" dirty="0" err="1"/>
+              <a:t>url</a:t>
+            </a:r>
+            <a:r>
+              <a:rPr lang="en-US" sz="2200" dirty="0"/>
+              <a:t>,</a:t>
+            </a:r>
+            <a:endParaRPr sz="2200" dirty="0"/>
           </a:p>
           <a:p>
             <a:pPr marL="228593" marR="0" lvl="0" indent="-50793" algn="l" rtl="0">
@@ -17477,10 +17501,10 @@
               <a:buNone/>
             </a:pPr>
             <a:r>
-              <a:rPr lang="en-US" sz="2200"/>
+              <a:rPr lang="en-US" sz="2200" dirty="0"/>
               <a:t>username, password);</a:t>
             </a:r>
-            <a:endParaRPr sz="2200"/>
+            <a:endParaRPr sz="2200" dirty="0"/>
           </a:p>
           <a:p>
             <a:pPr marL="0" marR="0" lvl="0" indent="0" algn="l" rtl="0">
@@ -17501,10 +17525,10 @@
               <a:buNone/>
             </a:pPr>
             <a:r>
-              <a:rPr lang="en-US" sz="2200"/>
+              <a:rPr lang="en-US" sz="2200" dirty="0"/>
               <a:t>Where: </a:t>
             </a:r>
-            <a:endParaRPr sz="2200"/>
+            <a:endParaRPr sz="2200" dirty="0"/>
           </a:p>
           <a:p>
             <a:pPr marL="228593" marR="0" lvl="0" indent="-50793" algn="l" rtl="0">
@@ -17525,10 +17549,18 @@
               <a:buNone/>
             </a:pPr>
             <a:r>
-              <a:rPr lang="en-US" sz="2200"/>
-              <a:t>• url is in the form of: </a:t>
+              <a:rPr lang="en-US" sz="2200" dirty="0"/>
+              <a:t>• </a:t>
             </a:r>
-            <a:endParaRPr sz="2200"/>
+            <a:r>
+              <a:rPr lang="en-US" sz="2200" dirty="0" err="1"/>
+              <a:t>url</a:t>
+            </a:r>
+            <a:r>
+              <a:rPr lang="en-US" sz="2200" dirty="0"/>
+              <a:t> is in the form of: </a:t>
+            </a:r>
+            <a:endParaRPr sz="2200" dirty="0"/>
           </a:p>
           <a:p>
             <a:pPr marL="228593" marR="0" lvl="0" indent="-50793" algn="l" rtl="0">
@@ -17549,10 +17581,34 @@
               <a:buNone/>
             </a:pPr>
             <a:r>
-              <a:rPr lang="en-US" sz="2200"/>
-              <a:t>1)jdbc:postgresql://host:port/database?currentSchema=XXX</a:t>
+              <a:rPr lang="en-US" sz="2200" dirty="0"/>
+              <a:t>1)</a:t>
             </a:r>
-            <a:endParaRPr sz="2200"/>
+            <a:r>
+              <a:rPr lang="en-US" sz="2200" dirty="0" err="1"/>
+              <a:t>jdbc:postgresql</a:t>
+            </a:r>
+            <a:r>
+              <a:rPr lang="en-US" sz="2200" dirty="0"/>
+              <a:t>://</a:t>
+            </a:r>
+            <a:r>
+              <a:rPr lang="en-US" sz="2200" dirty="0" err="1"/>
+              <a:t>host:port</a:t>
+            </a:r>
+            <a:r>
+              <a:rPr lang="en-US" sz="2200" dirty="0"/>
+              <a:t>/</a:t>
+            </a:r>
+            <a:r>
+              <a:rPr lang="en-US" sz="2200" dirty="0" err="1"/>
+              <a:t>database?currentSchema</a:t>
+            </a:r>
+            <a:r>
+              <a:rPr lang="en-US" sz="2200" dirty="0"/>
+              <a:t>=XXX</a:t>
+            </a:r>
+            <a:endParaRPr sz="2200" dirty="0"/>
           </a:p>
           <a:p>
             <a:pPr marL="228593" marR="0" lvl="0" indent="-50793" algn="l" rtl="0">
@@ -17573,10 +17629,22 @@
               <a:buNone/>
             </a:pPr>
             <a:r>
-              <a:rPr lang="en-US" sz="2200"/>
-              <a:t>Example: jdbc:postgresql://www.eecs.uottawa.ca:15432/svale054?currentSchema=labolatories</a:t>
+              <a:rPr lang="en-US" sz="2200" dirty="0"/>
+              <a:t>Example: </a:t>
             </a:r>
-            <a:endParaRPr sz="2200"/>
+            <a:r>
+              <a:rPr lang="en-US" sz="2200" dirty="0" err="1"/>
+              <a:t>jdbc:postgresql</a:t>
+            </a:r>
+            <a:r>
+              <a:rPr lang="en-US" sz="2200" dirty="0"/>
+              <a:t>://www.eecs.uottawa.ca:15432/svale054?currentSchema=</a:t>
+            </a:r>
+            <a:r>
+              <a:rPr lang="en-US" sz="2200" dirty="0" err="1"/>
+              <a:t>labolatories</a:t>
+            </a:r>
+            <a:endParaRPr sz="2200" dirty="0"/>
           </a:p>
           <a:p>
             <a:pPr marL="228593" marR="0" lvl="0" indent="-50793" algn="l" rtl="0">
@@ -17597,10 +17665,10 @@
               <a:buNone/>
             </a:pPr>
             <a:r>
-              <a:rPr lang="en-US" sz="2200"/>
+              <a:rPr lang="en-US" sz="2200" dirty="0"/>
               <a:t>• username: your SITE username (svale054)</a:t>
             </a:r>
-            <a:endParaRPr sz="2200"/>
+            <a:endParaRPr sz="2200" dirty="0"/>
           </a:p>
           <a:p>
             <a:pPr marL="228593" marR="0" lvl="0" indent="-50793" algn="l" rtl="0">
@@ -17621,10 +17689,10 @@
               <a:buNone/>
             </a:pPr>
             <a:r>
-              <a:rPr lang="en-US" sz="2200"/>
+              <a:rPr lang="en-US" sz="2200" dirty="0"/>
               <a:t>• password: your SITE password (XXXXXX)</a:t>
             </a:r>
-            <a:endParaRPr sz="2200"/>
+            <a:endParaRPr sz="2200" dirty="0"/>
           </a:p>
           <a:p>
             <a:pPr marL="228593" marR="0" lvl="0" indent="-50793" algn="l" rtl="0">
@@ -17644,7 +17712,7 @@
               <a:buFont typeface="Arial"/>
               <a:buNone/>
             </a:pPr>
-            <a:endParaRPr sz="2200"/>
+            <a:endParaRPr sz="2200" dirty="0"/>
           </a:p>
           <a:p>
             <a:pPr marL="228593" marR="0" lvl="0" indent="-50793" algn="l" rtl="0">
@@ -17664,7 +17732,7 @@
               <a:buFont typeface="Arial"/>
               <a:buNone/>
             </a:pPr>
-            <a:endParaRPr sz="2200"/>
+            <a:endParaRPr sz="2200" dirty="0"/>
           </a:p>
         </p:txBody>
       </p:sp>
@@ -21629,7 +21697,11 @@
             </a:pPr>
             <a:r>
               <a:rPr lang="en-US" sz="2400" dirty="0"/>
-              <a:t>3. Add PostgreSQL JDBC library</a:t>
+              <a:t>3. Add PostgreSQL JDBC </a:t>
+            </a:r>
+            <a:r>
+              <a:rPr lang="en-US" sz="2400" dirty="0" smtClean="0"/>
+              <a:t>driver</a:t>
             </a:r>
             <a:endParaRPr sz="2400" dirty="0"/>
           </a:p>
